--- a/ppt 16-9/0455.宣教的道路.pptx
+++ b/ppt 16-9/0455.宣教的道路.pptx
@@ -129,7 +129,7 @@
           <p:cNvPr id="2" name="标题 1">
             <a:extLst>
               <a:ext uri="{FF2B5EF4-FFF2-40B4-BE49-F238E27FC236}">
-                <a16:creationId xmlns:a16="http://schemas.microsoft.com/office/drawing/2014/main" id="{18D876E9-A374-2677-4684-0FE6DB97BBC5}"/>
+                <a16:creationId xmlns:a16="http://schemas.microsoft.com/office/drawing/2014/main" id="{43EC55C4-97A0-3F88-9EBC-AA02FD0B56FB}"/>
               </a:ext>
             </a:extLst>
           </p:cNvPr>
@@ -166,7 +166,7 @@
           <p:cNvPr id="3" name="副标题 2">
             <a:extLst>
               <a:ext uri="{FF2B5EF4-FFF2-40B4-BE49-F238E27FC236}">
-                <a16:creationId xmlns:a16="http://schemas.microsoft.com/office/drawing/2014/main" id="{0843712A-8C5C-FF88-DFF9-FCFBD1650031}"/>
+                <a16:creationId xmlns:a16="http://schemas.microsoft.com/office/drawing/2014/main" id="{A927D20D-ADB1-B8E2-3142-3B0FC651F200}"/>
               </a:ext>
             </a:extLst>
           </p:cNvPr>
@@ -236,7 +236,7 @@
           <p:cNvPr id="4" name="日期占位符 3">
             <a:extLst>
               <a:ext uri="{FF2B5EF4-FFF2-40B4-BE49-F238E27FC236}">
-                <a16:creationId xmlns:a16="http://schemas.microsoft.com/office/drawing/2014/main" id="{DFE5EA06-D70E-5CF8-3B3C-81646604B22A}"/>
+                <a16:creationId xmlns:a16="http://schemas.microsoft.com/office/drawing/2014/main" id="{361454AF-B079-C383-F2F7-0E5FBFB9D779}"/>
               </a:ext>
             </a:extLst>
           </p:cNvPr>
@@ -252,7 +252,7 @@
           <a:bodyPr/>
           <a:lstStyle/>
           <a:p>
-            <a:fld id="{995E18A1-79E8-40BE-B1EC-CF821A44AEF7}" type="datetimeFigureOut">
+            <a:fld id="{61F6E156-5210-4F69-A710-E7AA441665B4}" type="datetimeFigureOut">
               <a:rPr lang="zh-CN" altLang="en-US" smtClean="0"/>
               <a:t>2024/3/10</a:t>
             </a:fld>
@@ -265,7 +265,7 @@
           <p:cNvPr id="5" name="页脚占位符 4">
             <a:extLst>
               <a:ext uri="{FF2B5EF4-FFF2-40B4-BE49-F238E27FC236}">
-                <a16:creationId xmlns:a16="http://schemas.microsoft.com/office/drawing/2014/main" id="{C980AD92-A101-8947-7824-F885D8D4F032}"/>
+                <a16:creationId xmlns:a16="http://schemas.microsoft.com/office/drawing/2014/main" id="{BD544B05-BCA0-E5B2-B607-762730EAC535}"/>
               </a:ext>
             </a:extLst>
           </p:cNvPr>
@@ -290,7 +290,7 @@
           <p:cNvPr id="6" name="灯片编号占位符 5">
             <a:extLst>
               <a:ext uri="{FF2B5EF4-FFF2-40B4-BE49-F238E27FC236}">
-                <a16:creationId xmlns:a16="http://schemas.microsoft.com/office/drawing/2014/main" id="{EEB664CE-6761-FA8F-C71D-C76EB5BED665}"/>
+                <a16:creationId xmlns:a16="http://schemas.microsoft.com/office/drawing/2014/main" id="{DC3F917C-8CD8-C027-1589-E69B972F282C}"/>
               </a:ext>
             </a:extLst>
           </p:cNvPr>
@@ -306,7 +306,7 @@
           <a:bodyPr/>
           <a:lstStyle/>
           <a:p>
-            <a:fld id="{AC308A1B-44EF-40B4-AA03-97CCD06CD9E4}" type="slidenum">
+            <a:fld id="{62DD4E66-4AEE-478D-B4B1-7C8173386F92}" type="slidenum">
               <a:rPr lang="zh-CN" altLang="en-US" smtClean="0"/>
               <a:t>‹#›</a:t>
             </a:fld>
@@ -317,7 +317,7 @@
     </p:spTree>
     <p:extLst>
       <p:ext uri="{BB962C8B-B14F-4D97-AF65-F5344CB8AC3E}">
-        <p14:creationId xmlns:p14="http://schemas.microsoft.com/office/powerpoint/2010/main" val="1667486082"/>
+        <p14:creationId xmlns:p14="http://schemas.microsoft.com/office/powerpoint/2010/main" val="2990529423"/>
       </p:ext>
     </p:extLst>
   </p:cSld>
@@ -349,7 +349,7 @@
           <p:cNvPr id="2" name="标题 1">
             <a:extLst>
               <a:ext uri="{FF2B5EF4-FFF2-40B4-BE49-F238E27FC236}">
-                <a16:creationId xmlns:a16="http://schemas.microsoft.com/office/drawing/2014/main" id="{CABFD6AF-4E47-80A2-EF6F-471832FF24B7}"/>
+                <a16:creationId xmlns:a16="http://schemas.microsoft.com/office/drawing/2014/main" id="{D6E0DA2F-7CB5-F0E0-8F25-D5B61FB12E77}"/>
               </a:ext>
             </a:extLst>
           </p:cNvPr>
@@ -377,7 +377,7 @@
           <p:cNvPr id="3" name="竖排文字占位符 2">
             <a:extLst>
               <a:ext uri="{FF2B5EF4-FFF2-40B4-BE49-F238E27FC236}">
-                <a16:creationId xmlns:a16="http://schemas.microsoft.com/office/drawing/2014/main" id="{21AC982A-AF45-7728-24F7-03E857851A93}"/>
+                <a16:creationId xmlns:a16="http://schemas.microsoft.com/office/drawing/2014/main" id="{F7F91AC5-9A64-A15E-45DA-2C5C8083E52A}"/>
               </a:ext>
             </a:extLst>
           </p:cNvPr>
@@ -434,7 +434,7 @@
           <p:cNvPr id="4" name="日期占位符 3">
             <a:extLst>
               <a:ext uri="{FF2B5EF4-FFF2-40B4-BE49-F238E27FC236}">
-                <a16:creationId xmlns:a16="http://schemas.microsoft.com/office/drawing/2014/main" id="{25DC1F14-BB75-DB4D-C813-A6EA4E5CAB20}"/>
+                <a16:creationId xmlns:a16="http://schemas.microsoft.com/office/drawing/2014/main" id="{DEEE3DE5-9783-04D8-F88E-945AE3671021}"/>
               </a:ext>
             </a:extLst>
           </p:cNvPr>
@@ -450,7 +450,7 @@
           <a:bodyPr/>
           <a:lstStyle/>
           <a:p>
-            <a:fld id="{995E18A1-79E8-40BE-B1EC-CF821A44AEF7}" type="datetimeFigureOut">
+            <a:fld id="{61F6E156-5210-4F69-A710-E7AA441665B4}" type="datetimeFigureOut">
               <a:rPr lang="zh-CN" altLang="en-US" smtClean="0"/>
               <a:t>2024/3/10</a:t>
             </a:fld>
@@ -463,7 +463,7 @@
           <p:cNvPr id="5" name="页脚占位符 4">
             <a:extLst>
               <a:ext uri="{FF2B5EF4-FFF2-40B4-BE49-F238E27FC236}">
-                <a16:creationId xmlns:a16="http://schemas.microsoft.com/office/drawing/2014/main" id="{5F8A2C9F-3F79-3473-715D-75CEC7F35C49}"/>
+                <a16:creationId xmlns:a16="http://schemas.microsoft.com/office/drawing/2014/main" id="{928A8B6C-DEE5-092A-9C2A-2BD00DDDF130}"/>
               </a:ext>
             </a:extLst>
           </p:cNvPr>
@@ -488,7 +488,7 @@
           <p:cNvPr id="6" name="灯片编号占位符 5">
             <a:extLst>
               <a:ext uri="{FF2B5EF4-FFF2-40B4-BE49-F238E27FC236}">
-                <a16:creationId xmlns:a16="http://schemas.microsoft.com/office/drawing/2014/main" id="{E1E6F2D9-C806-404B-EA40-73B61977D711}"/>
+                <a16:creationId xmlns:a16="http://schemas.microsoft.com/office/drawing/2014/main" id="{31027CC9-E25D-6D9B-4B79-E46EBAD96A31}"/>
               </a:ext>
             </a:extLst>
           </p:cNvPr>
@@ -504,7 +504,7 @@
           <a:bodyPr/>
           <a:lstStyle/>
           <a:p>
-            <a:fld id="{AC308A1B-44EF-40B4-AA03-97CCD06CD9E4}" type="slidenum">
+            <a:fld id="{62DD4E66-4AEE-478D-B4B1-7C8173386F92}" type="slidenum">
               <a:rPr lang="zh-CN" altLang="en-US" smtClean="0"/>
               <a:t>‹#›</a:t>
             </a:fld>
@@ -515,7 +515,7 @@
     </p:spTree>
     <p:extLst>
       <p:ext uri="{BB962C8B-B14F-4D97-AF65-F5344CB8AC3E}">
-        <p14:creationId xmlns:p14="http://schemas.microsoft.com/office/powerpoint/2010/main" val="2038540334"/>
+        <p14:creationId xmlns:p14="http://schemas.microsoft.com/office/powerpoint/2010/main" val="268648077"/>
       </p:ext>
     </p:extLst>
   </p:cSld>
@@ -547,7 +547,7 @@
           <p:cNvPr id="2" name="竖排标题 1">
             <a:extLst>
               <a:ext uri="{FF2B5EF4-FFF2-40B4-BE49-F238E27FC236}">
-                <a16:creationId xmlns:a16="http://schemas.microsoft.com/office/drawing/2014/main" id="{31E8731E-AC4E-653D-44D5-F02C0AD4E4A9}"/>
+                <a16:creationId xmlns:a16="http://schemas.microsoft.com/office/drawing/2014/main" id="{A16BA804-38E3-FE73-B405-C7B53F83C0D8}"/>
               </a:ext>
             </a:extLst>
           </p:cNvPr>
@@ -580,7 +580,7 @@
           <p:cNvPr id="3" name="竖排文字占位符 2">
             <a:extLst>
               <a:ext uri="{FF2B5EF4-FFF2-40B4-BE49-F238E27FC236}">
-                <a16:creationId xmlns:a16="http://schemas.microsoft.com/office/drawing/2014/main" id="{71296A87-F1B8-ACFE-B652-DA3D9335B78B}"/>
+                <a16:creationId xmlns:a16="http://schemas.microsoft.com/office/drawing/2014/main" id="{60FC40AF-DFFA-69BE-18CF-645D3BB4804D}"/>
               </a:ext>
             </a:extLst>
           </p:cNvPr>
@@ -642,7 +642,7 @@
           <p:cNvPr id="4" name="日期占位符 3">
             <a:extLst>
               <a:ext uri="{FF2B5EF4-FFF2-40B4-BE49-F238E27FC236}">
-                <a16:creationId xmlns:a16="http://schemas.microsoft.com/office/drawing/2014/main" id="{3650CC9B-5EE6-6466-F26E-3061AEF8D943}"/>
+                <a16:creationId xmlns:a16="http://schemas.microsoft.com/office/drawing/2014/main" id="{9D601AF2-CD15-C2CE-6AF1-062C615D4C01}"/>
               </a:ext>
             </a:extLst>
           </p:cNvPr>
@@ -658,7 +658,7 @@
           <a:bodyPr/>
           <a:lstStyle/>
           <a:p>
-            <a:fld id="{995E18A1-79E8-40BE-B1EC-CF821A44AEF7}" type="datetimeFigureOut">
+            <a:fld id="{61F6E156-5210-4F69-A710-E7AA441665B4}" type="datetimeFigureOut">
               <a:rPr lang="zh-CN" altLang="en-US" smtClean="0"/>
               <a:t>2024/3/10</a:t>
             </a:fld>
@@ -671,7 +671,7 @@
           <p:cNvPr id="5" name="页脚占位符 4">
             <a:extLst>
               <a:ext uri="{FF2B5EF4-FFF2-40B4-BE49-F238E27FC236}">
-                <a16:creationId xmlns:a16="http://schemas.microsoft.com/office/drawing/2014/main" id="{04ED31C9-B399-22A0-B98F-65213DEFF0B8}"/>
+                <a16:creationId xmlns:a16="http://schemas.microsoft.com/office/drawing/2014/main" id="{6FB22BB4-AB9D-3CBA-3E62-2F0C3E9C0A36}"/>
               </a:ext>
             </a:extLst>
           </p:cNvPr>
@@ -696,7 +696,7 @@
           <p:cNvPr id="6" name="灯片编号占位符 5">
             <a:extLst>
               <a:ext uri="{FF2B5EF4-FFF2-40B4-BE49-F238E27FC236}">
-                <a16:creationId xmlns:a16="http://schemas.microsoft.com/office/drawing/2014/main" id="{9CA6118D-4341-E00A-4CDD-9457CA10FF7B}"/>
+                <a16:creationId xmlns:a16="http://schemas.microsoft.com/office/drawing/2014/main" id="{F0298331-8FEC-056A-7EE4-1490D7594D30}"/>
               </a:ext>
             </a:extLst>
           </p:cNvPr>
@@ -712,7 +712,7 @@
           <a:bodyPr/>
           <a:lstStyle/>
           <a:p>
-            <a:fld id="{AC308A1B-44EF-40B4-AA03-97CCD06CD9E4}" type="slidenum">
+            <a:fld id="{62DD4E66-4AEE-478D-B4B1-7C8173386F92}" type="slidenum">
               <a:rPr lang="zh-CN" altLang="en-US" smtClean="0"/>
               <a:t>‹#›</a:t>
             </a:fld>
@@ -723,7 +723,7 @@
     </p:spTree>
     <p:extLst>
       <p:ext uri="{BB962C8B-B14F-4D97-AF65-F5344CB8AC3E}">
-        <p14:creationId xmlns:p14="http://schemas.microsoft.com/office/powerpoint/2010/main" val="3372782315"/>
+        <p14:creationId xmlns:p14="http://schemas.microsoft.com/office/powerpoint/2010/main" val="829251412"/>
       </p:ext>
     </p:extLst>
   </p:cSld>
@@ -755,7 +755,7 @@
           <p:cNvPr id="2" name="标题 1">
             <a:extLst>
               <a:ext uri="{FF2B5EF4-FFF2-40B4-BE49-F238E27FC236}">
-                <a16:creationId xmlns:a16="http://schemas.microsoft.com/office/drawing/2014/main" id="{38F2CC97-54D3-B8EB-6A22-377AA8882E2C}"/>
+                <a16:creationId xmlns:a16="http://schemas.microsoft.com/office/drawing/2014/main" id="{7BE1ED00-87B5-725B-AB70-979FA85D2C80}"/>
               </a:ext>
             </a:extLst>
           </p:cNvPr>
@@ -783,7 +783,7 @@
           <p:cNvPr id="3" name="内容占位符 2">
             <a:extLst>
               <a:ext uri="{FF2B5EF4-FFF2-40B4-BE49-F238E27FC236}">
-                <a16:creationId xmlns:a16="http://schemas.microsoft.com/office/drawing/2014/main" id="{B2C1625E-DF78-7BD4-67FB-19141A5036F0}"/>
+                <a16:creationId xmlns:a16="http://schemas.microsoft.com/office/drawing/2014/main" id="{F7F2A44D-D685-C2A5-85CD-8587ECC0C3E7}"/>
               </a:ext>
             </a:extLst>
           </p:cNvPr>
@@ -840,7 +840,7 @@
           <p:cNvPr id="4" name="日期占位符 3">
             <a:extLst>
               <a:ext uri="{FF2B5EF4-FFF2-40B4-BE49-F238E27FC236}">
-                <a16:creationId xmlns:a16="http://schemas.microsoft.com/office/drawing/2014/main" id="{FE14CF3B-C373-E92F-991D-E3486F056DED}"/>
+                <a16:creationId xmlns:a16="http://schemas.microsoft.com/office/drawing/2014/main" id="{38B9F507-EB5F-4615-C985-29F08733D8AE}"/>
               </a:ext>
             </a:extLst>
           </p:cNvPr>
@@ -856,7 +856,7 @@
           <a:bodyPr/>
           <a:lstStyle/>
           <a:p>
-            <a:fld id="{995E18A1-79E8-40BE-B1EC-CF821A44AEF7}" type="datetimeFigureOut">
+            <a:fld id="{61F6E156-5210-4F69-A710-E7AA441665B4}" type="datetimeFigureOut">
               <a:rPr lang="zh-CN" altLang="en-US" smtClean="0"/>
               <a:t>2024/3/10</a:t>
             </a:fld>
@@ -869,7 +869,7 @@
           <p:cNvPr id="5" name="页脚占位符 4">
             <a:extLst>
               <a:ext uri="{FF2B5EF4-FFF2-40B4-BE49-F238E27FC236}">
-                <a16:creationId xmlns:a16="http://schemas.microsoft.com/office/drawing/2014/main" id="{445E4146-309D-683D-9C8A-12842BFAC376}"/>
+                <a16:creationId xmlns:a16="http://schemas.microsoft.com/office/drawing/2014/main" id="{FEA0145B-ADC0-D16A-D5E3-6C28A88FA1F7}"/>
               </a:ext>
             </a:extLst>
           </p:cNvPr>
@@ -894,7 +894,7 @@
           <p:cNvPr id="6" name="灯片编号占位符 5">
             <a:extLst>
               <a:ext uri="{FF2B5EF4-FFF2-40B4-BE49-F238E27FC236}">
-                <a16:creationId xmlns:a16="http://schemas.microsoft.com/office/drawing/2014/main" id="{572F734F-3AB9-9083-EBA6-2148BCCBC904}"/>
+                <a16:creationId xmlns:a16="http://schemas.microsoft.com/office/drawing/2014/main" id="{DAE83F00-49D8-1500-D998-5309E3102605}"/>
               </a:ext>
             </a:extLst>
           </p:cNvPr>
@@ -910,7 +910,7 @@
           <a:bodyPr/>
           <a:lstStyle/>
           <a:p>
-            <a:fld id="{AC308A1B-44EF-40B4-AA03-97CCD06CD9E4}" type="slidenum">
+            <a:fld id="{62DD4E66-4AEE-478D-B4B1-7C8173386F92}" type="slidenum">
               <a:rPr lang="zh-CN" altLang="en-US" smtClean="0"/>
               <a:t>‹#›</a:t>
             </a:fld>
@@ -921,7 +921,7 @@
     </p:spTree>
     <p:extLst>
       <p:ext uri="{BB962C8B-B14F-4D97-AF65-F5344CB8AC3E}">
-        <p14:creationId xmlns:p14="http://schemas.microsoft.com/office/powerpoint/2010/main" val="1745690478"/>
+        <p14:creationId xmlns:p14="http://schemas.microsoft.com/office/powerpoint/2010/main" val="3539636789"/>
       </p:ext>
     </p:extLst>
   </p:cSld>
@@ -953,7 +953,7 @@
           <p:cNvPr id="2" name="标题 1">
             <a:extLst>
               <a:ext uri="{FF2B5EF4-FFF2-40B4-BE49-F238E27FC236}">
-                <a16:creationId xmlns:a16="http://schemas.microsoft.com/office/drawing/2014/main" id="{E002916A-88C5-91ED-3C07-FFF3988C4CC1}"/>
+                <a16:creationId xmlns:a16="http://schemas.microsoft.com/office/drawing/2014/main" id="{1D8BEEF5-3492-B40E-984E-7D45A233A49E}"/>
               </a:ext>
             </a:extLst>
           </p:cNvPr>
@@ -990,7 +990,7 @@
           <p:cNvPr id="3" name="文本占位符 2">
             <a:extLst>
               <a:ext uri="{FF2B5EF4-FFF2-40B4-BE49-F238E27FC236}">
-                <a16:creationId xmlns:a16="http://schemas.microsoft.com/office/drawing/2014/main" id="{55A2B678-403D-E7B1-20E8-1AB96D1E6CD3}"/>
+                <a16:creationId xmlns:a16="http://schemas.microsoft.com/office/drawing/2014/main" id="{6CF0A52A-8382-7728-8210-D9E8EB0F5725}"/>
               </a:ext>
             </a:extLst>
           </p:cNvPr>
@@ -1115,7 +1115,7 @@
           <p:cNvPr id="4" name="日期占位符 3">
             <a:extLst>
               <a:ext uri="{FF2B5EF4-FFF2-40B4-BE49-F238E27FC236}">
-                <a16:creationId xmlns:a16="http://schemas.microsoft.com/office/drawing/2014/main" id="{EAAA05FD-806D-7322-6B3A-B1F94417C234}"/>
+                <a16:creationId xmlns:a16="http://schemas.microsoft.com/office/drawing/2014/main" id="{6FF0BEF2-9ADB-0CC4-B78A-290B0864A26A}"/>
               </a:ext>
             </a:extLst>
           </p:cNvPr>
@@ -1131,7 +1131,7 @@
           <a:bodyPr/>
           <a:lstStyle/>
           <a:p>
-            <a:fld id="{995E18A1-79E8-40BE-B1EC-CF821A44AEF7}" type="datetimeFigureOut">
+            <a:fld id="{61F6E156-5210-4F69-A710-E7AA441665B4}" type="datetimeFigureOut">
               <a:rPr lang="zh-CN" altLang="en-US" smtClean="0"/>
               <a:t>2024/3/10</a:t>
             </a:fld>
@@ -1144,7 +1144,7 @@
           <p:cNvPr id="5" name="页脚占位符 4">
             <a:extLst>
               <a:ext uri="{FF2B5EF4-FFF2-40B4-BE49-F238E27FC236}">
-                <a16:creationId xmlns:a16="http://schemas.microsoft.com/office/drawing/2014/main" id="{A14E1BA9-39D2-968A-FB66-7DE856135861}"/>
+                <a16:creationId xmlns:a16="http://schemas.microsoft.com/office/drawing/2014/main" id="{B0F8236E-F9FA-3D22-5E2A-BC9481BC2466}"/>
               </a:ext>
             </a:extLst>
           </p:cNvPr>
@@ -1169,7 +1169,7 @@
           <p:cNvPr id="6" name="灯片编号占位符 5">
             <a:extLst>
               <a:ext uri="{FF2B5EF4-FFF2-40B4-BE49-F238E27FC236}">
-                <a16:creationId xmlns:a16="http://schemas.microsoft.com/office/drawing/2014/main" id="{8DD28C53-B8C9-17CD-422C-6EE5F184DADA}"/>
+                <a16:creationId xmlns:a16="http://schemas.microsoft.com/office/drawing/2014/main" id="{6EB3CE78-0516-0530-3EA3-823A3DCCEC62}"/>
               </a:ext>
             </a:extLst>
           </p:cNvPr>
@@ -1185,7 +1185,7 @@
           <a:bodyPr/>
           <a:lstStyle/>
           <a:p>
-            <a:fld id="{AC308A1B-44EF-40B4-AA03-97CCD06CD9E4}" type="slidenum">
+            <a:fld id="{62DD4E66-4AEE-478D-B4B1-7C8173386F92}" type="slidenum">
               <a:rPr lang="zh-CN" altLang="en-US" smtClean="0"/>
               <a:t>‹#›</a:t>
             </a:fld>
@@ -1196,7 +1196,7 @@
     </p:spTree>
     <p:extLst>
       <p:ext uri="{BB962C8B-B14F-4D97-AF65-F5344CB8AC3E}">
-        <p14:creationId xmlns:p14="http://schemas.microsoft.com/office/powerpoint/2010/main" val="4227696182"/>
+        <p14:creationId xmlns:p14="http://schemas.microsoft.com/office/powerpoint/2010/main" val="2133861432"/>
       </p:ext>
     </p:extLst>
   </p:cSld>
@@ -1228,7 +1228,7 @@
           <p:cNvPr id="2" name="标题 1">
             <a:extLst>
               <a:ext uri="{FF2B5EF4-FFF2-40B4-BE49-F238E27FC236}">
-                <a16:creationId xmlns:a16="http://schemas.microsoft.com/office/drawing/2014/main" id="{2F2BA165-A560-4077-DC36-C98D71C39D39}"/>
+                <a16:creationId xmlns:a16="http://schemas.microsoft.com/office/drawing/2014/main" id="{292869EE-3936-4F8C-283C-1E5117495C37}"/>
               </a:ext>
             </a:extLst>
           </p:cNvPr>
@@ -1256,7 +1256,7 @@
           <p:cNvPr id="3" name="内容占位符 2">
             <a:extLst>
               <a:ext uri="{FF2B5EF4-FFF2-40B4-BE49-F238E27FC236}">
-                <a16:creationId xmlns:a16="http://schemas.microsoft.com/office/drawing/2014/main" id="{086851D4-4FA5-8B4E-AAC6-2104363E03FA}"/>
+                <a16:creationId xmlns:a16="http://schemas.microsoft.com/office/drawing/2014/main" id="{094ADF43-9D9D-CBAA-484A-380BCE3AB347}"/>
               </a:ext>
             </a:extLst>
           </p:cNvPr>
@@ -1318,7 +1318,7 @@
           <p:cNvPr id="4" name="内容占位符 3">
             <a:extLst>
               <a:ext uri="{FF2B5EF4-FFF2-40B4-BE49-F238E27FC236}">
-                <a16:creationId xmlns:a16="http://schemas.microsoft.com/office/drawing/2014/main" id="{D27FED82-DE22-8C53-28E5-52DC8E1BCE87}"/>
+                <a16:creationId xmlns:a16="http://schemas.microsoft.com/office/drawing/2014/main" id="{C387E18E-DB69-66BE-9250-A3E70FA182AA}"/>
               </a:ext>
             </a:extLst>
           </p:cNvPr>
@@ -1380,7 +1380,7 @@
           <p:cNvPr id="5" name="日期占位符 4">
             <a:extLst>
               <a:ext uri="{FF2B5EF4-FFF2-40B4-BE49-F238E27FC236}">
-                <a16:creationId xmlns:a16="http://schemas.microsoft.com/office/drawing/2014/main" id="{BA8DE7F0-E792-916D-BE37-E39244F8E081}"/>
+                <a16:creationId xmlns:a16="http://schemas.microsoft.com/office/drawing/2014/main" id="{3B4831FE-F854-C59E-A24D-48D4D2ECC595}"/>
               </a:ext>
             </a:extLst>
           </p:cNvPr>
@@ -1396,7 +1396,7 @@
           <a:bodyPr/>
           <a:lstStyle/>
           <a:p>
-            <a:fld id="{995E18A1-79E8-40BE-B1EC-CF821A44AEF7}" type="datetimeFigureOut">
+            <a:fld id="{61F6E156-5210-4F69-A710-E7AA441665B4}" type="datetimeFigureOut">
               <a:rPr lang="zh-CN" altLang="en-US" smtClean="0"/>
               <a:t>2024/3/10</a:t>
             </a:fld>
@@ -1409,7 +1409,7 @@
           <p:cNvPr id="6" name="页脚占位符 5">
             <a:extLst>
               <a:ext uri="{FF2B5EF4-FFF2-40B4-BE49-F238E27FC236}">
-                <a16:creationId xmlns:a16="http://schemas.microsoft.com/office/drawing/2014/main" id="{899062A9-E503-7510-C0DC-F6846233738D}"/>
+                <a16:creationId xmlns:a16="http://schemas.microsoft.com/office/drawing/2014/main" id="{9732EFA4-1957-621C-52D4-8A397932C1DB}"/>
               </a:ext>
             </a:extLst>
           </p:cNvPr>
@@ -1434,7 +1434,7 @@
           <p:cNvPr id="7" name="灯片编号占位符 6">
             <a:extLst>
               <a:ext uri="{FF2B5EF4-FFF2-40B4-BE49-F238E27FC236}">
-                <a16:creationId xmlns:a16="http://schemas.microsoft.com/office/drawing/2014/main" id="{2C871ED5-B505-9161-A91F-606ADA78561B}"/>
+                <a16:creationId xmlns:a16="http://schemas.microsoft.com/office/drawing/2014/main" id="{CDACAEE4-6D1B-96ED-7204-0A7213A72901}"/>
               </a:ext>
             </a:extLst>
           </p:cNvPr>
@@ -1450,7 +1450,7 @@
           <a:bodyPr/>
           <a:lstStyle/>
           <a:p>
-            <a:fld id="{AC308A1B-44EF-40B4-AA03-97CCD06CD9E4}" type="slidenum">
+            <a:fld id="{62DD4E66-4AEE-478D-B4B1-7C8173386F92}" type="slidenum">
               <a:rPr lang="zh-CN" altLang="en-US" smtClean="0"/>
               <a:t>‹#›</a:t>
             </a:fld>
@@ -1461,7 +1461,7 @@
     </p:spTree>
     <p:extLst>
       <p:ext uri="{BB962C8B-B14F-4D97-AF65-F5344CB8AC3E}">
-        <p14:creationId xmlns:p14="http://schemas.microsoft.com/office/powerpoint/2010/main" val="3612981198"/>
+        <p14:creationId xmlns:p14="http://schemas.microsoft.com/office/powerpoint/2010/main" val="317081708"/>
       </p:ext>
     </p:extLst>
   </p:cSld>
@@ -1493,7 +1493,7 @@
           <p:cNvPr id="2" name="标题 1">
             <a:extLst>
               <a:ext uri="{FF2B5EF4-FFF2-40B4-BE49-F238E27FC236}">
-                <a16:creationId xmlns:a16="http://schemas.microsoft.com/office/drawing/2014/main" id="{9EB5F1A6-FE18-B1A3-F6CB-B16B605ED63B}"/>
+                <a16:creationId xmlns:a16="http://schemas.microsoft.com/office/drawing/2014/main" id="{57EF295D-4C2C-DAF8-2698-ECE494E9D439}"/>
               </a:ext>
             </a:extLst>
           </p:cNvPr>
@@ -1526,7 +1526,7 @@
           <p:cNvPr id="3" name="文本占位符 2">
             <a:extLst>
               <a:ext uri="{FF2B5EF4-FFF2-40B4-BE49-F238E27FC236}">
-                <a16:creationId xmlns:a16="http://schemas.microsoft.com/office/drawing/2014/main" id="{30D33B77-0F5D-5EBD-92B1-3A47F670E45E}"/>
+                <a16:creationId xmlns:a16="http://schemas.microsoft.com/office/drawing/2014/main" id="{6CB42A1D-1C6B-6F98-C234-7DB47E667C3C}"/>
               </a:ext>
             </a:extLst>
           </p:cNvPr>
@@ -1597,7 +1597,7 @@
           <p:cNvPr id="4" name="内容占位符 3">
             <a:extLst>
               <a:ext uri="{FF2B5EF4-FFF2-40B4-BE49-F238E27FC236}">
-                <a16:creationId xmlns:a16="http://schemas.microsoft.com/office/drawing/2014/main" id="{8A74C349-16B5-8C83-BD4A-EB946BADF07C}"/>
+                <a16:creationId xmlns:a16="http://schemas.microsoft.com/office/drawing/2014/main" id="{779FDE06-B667-AEA9-1370-A8263C25E578}"/>
               </a:ext>
             </a:extLst>
           </p:cNvPr>
@@ -1659,7 +1659,7 @@
           <p:cNvPr id="5" name="文本占位符 4">
             <a:extLst>
               <a:ext uri="{FF2B5EF4-FFF2-40B4-BE49-F238E27FC236}">
-                <a16:creationId xmlns:a16="http://schemas.microsoft.com/office/drawing/2014/main" id="{0DEF57E2-B1D4-E5F8-9BC0-6CC7959CB0EB}"/>
+                <a16:creationId xmlns:a16="http://schemas.microsoft.com/office/drawing/2014/main" id="{F2E90A92-F107-D4D3-E1D3-C141F26102DD}"/>
               </a:ext>
             </a:extLst>
           </p:cNvPr>
@@ -1730,7 +1730,7 @@
           <p:cNvPr id="6" name="内容占位符 5">
             <a:extLst>
               <a:ext uri="{FF2B5EF4-FFF2-40B4-BE49-F238E27FC236}">
-                <a16:creationId xmlns:a16="http://schemas.microsoft.com/office/drawing/2014/main" id="{5F6B4EE6-A5E3-CE5D-37AE-571F962316E1}"/>
+                <a16:creationId xmlns:a16="http://schemas.microsoft.com/office/drawing/2014/main" id="{E57AC266-FCAB-BA24-4434-F4B467AA7D21}"/>
               </a:ext>
             </a:extLst>
           </p:cNvPr>
@@ -1792,7 +1792,7 @@
           <p:cNvPr id="7" name="日期占位符 6">
             <a:extLst>
               <a:ext uri="{FF2B5EF4-FFF2-40B4-BE49-F238E27FC236}">
-                <a16:creationId xmlns:a16="http://schemas.microsoft.com/office/drawing/2014/main" id="{0873B673-6458-5395-C8E7-07F6B93C99D7}"/>
+                <a16:creationId xmlns:a16="http://schemas.microsoft.com/office/drawing/2014/main" id="{21D880E6-EF6E-AE52-7FB6-AAE49B71D4CA}"/>
               </a:ext>
             </a:extLst>
           </p:cNvPr>
@@ -1808,7 +1808,7 @@
           <a:bodyPr/>
           <a:lstStyle/>
           <a:p>
-            <a:fld id="{995E18A1-79E8-40BE-B1EC-CF821A44AEF7}" type="datetimeFigureOut">
+            <a:fld id="{61F6E156-5210-4F69-A710-E7AA441665B4}" type="datetimeFigureOut">
               <a:rPr lang="zh-CN" altLang="en-US" smtClean="0"/>
               <a:t>2024/3/10</a:t>
             </a:fld>
@@ -1821,7 +1821,7 @@
           <p:cNvPr id="8" name="页脚占位符 7">
             <a:extLst>
               <a:ext uri="{FF2B5EF4-FFF2-40B4-BE49-F238E27FC236}">
-                <a16:creationId xmlns:a16="http://schemas.microsoft.com/office/drawing/2014/main" id="{206F1E17-F79A-313C-9E5C-49889C4CCF81}"/>
+                <a16:creationId xmlns:a16="http://schemas.microsoft.com/office/drawing/2014/main" id="{5702D1EF-7F1B-9CA5-4711-534858C2EB4E}"/>
               </a:ext>
             </a:extLst>
           </p:cNvPr>
@@ -1846,7 +1846,7 @@
           <p:cNvPr id="9" name="灯片编号占位符 8">
             <a:extLst>
               <a:ext uri="{FF2B5EF4-FFF2-40B4-BE49-F238E27FC236}">
-                <a16:creationId xmlns:a16="http://schemas.microsoft.com/office/drawing/2014/main" id="{2EC70A55-CC59-6DEE-3F0B-848B6B9058B8}"/>
+                <a16:creationId xmlns:a16="http://schemas.microsoft.com/office/drawing/2014/main" id="{25CBCB63-6538-2FD9-7E8E-FB9C1C7152CE}"/>
               </a:ext>
             </a:extLst>
           </p:cNvPr>
@@ -1862,7 +1862,7 @@
           <a:bodyPr/>
           <a:lstStyle/>
           <a:p>
-            <a:fld id="{AC308A1B-44EF-40B4-AA03-97CCD06CD9E4}" type="slidenum">
+            <a:fld id="{62DD4E66-4AEE-478D-B4B1-7C8173386F92}" type="slidenum">
               <a:rPr lang="zh-CN" altLang="en-US" smtClean="0"/>
               <a:t>‹#›</a:t>
             </a:fld>
@@ -1873,7 +1873,7 @@
     </p:spTree>
     <p:extLst>
       <p:ext uri="{BB962C8B-B14F-4D97-AF65-F5344CB8AC3E}">
-        <p14:creationId xmlns:p14="http://schemas.microsoft.com/office/powerpoint/2010/main" val="1525086584"/>
+        <p14:creationId xmlns:p14="http://schemas.microsoft.com/office/powerpoint/2010/main" val="1235195795"/>
       </p:ext>
     </p:extLst>
   </p:cSld>
@@ -1905,7 +1905,7 @@
           <p:cNvPr id="2" name="标题 1">
             <a:extLst>
               <a:ext uri="{FF2B5EF4-FFF2-40B4-BE49-F238E27FC236}">
-                <a16:creationId xmlns:a16="http://schemas.microsoft.com/office/drawing/2014/main" id="{42D03057-5639-2FA0-B303-E0E1CE9D022B}"/>
+                <a16:creationId xmlns:a16="http://schemas.microsoft.com/office/drawing/2014/main" id="{264E5F15-8039-1631-1544-1453C05E3A16}"/>
               </a:ext>
             </a:extLst>
           </p:cNvPr>
@@ -1933,7 +1933,7 @@
           <p:cNvPr id="3" name="日期占位符 2">
             <a:extLst>
               <a:ext uri="{FF2B5EF4-FFF2-40B4-BE49-F238E27FC236}">
-                <a16:creationId xmlns:a16="http://schemas.microsoft.com/office/drawing/2014/main" id="{591E4D63-E58D-CE9B-5159-17CEC8AE667D}"/>
+                <a16:creationId xmlns:a16="http://schemas.microsoft.com/office/drawing/2014/main" id="{A0A58EE2-8E94-D6FE-01C1-7B21BDCE70F4}"/>
               </a:ext>
             </a:extLst>
           </p:cNvPr>
@@ -1949,7 +1949,7 @@
           <a:bodyPr/>
           <a:lstStyle/>
           <a:p>
-            <a:fld id="{995E18A1-79E8-40BE-B1EC-CF821A44AEF7}" type="datetimeFigureOut">
+            <a:fld id="{61F6E156-5210-4F69-A710-E7AA441665B4}" type="datetimeFigureOut">
               <a:rPr lang="zh-CN" altLang="en-US" smtClean="0"/>
               <a:t>2024/3/10</a:t>
             </a:fld>
@@ -1962,7 +1962,7 @@
           <p:cNvPr id="4" name="页脚占位符 3">
             <a:extLst>
               <a:ext uri="{FF2B5EF4-FFF2-40B4-BE49-F238E27FC236}">
-                <a16:creationId xmlns:a16="http://schemas.microsoft.com/office/drawing/2014/main" id="{E783AF57-FBF8-8F27-5D3A-618075A62BFB}"/>
+                <a16:creationId xmlns:a16="http://schemas.microsoft.com/office/drawing/2014/main" id="{00DB06EF-788B-D1D7-AE12-42F72F1D38AE}"/>
               </a:ext>
             </a:extLst>
           </p:cNvPr>
@@ -1987,7 +1987,7 @@
           <p:cNvPr id="5" name="灯片编号占位符 4">
             <a:extLst>
               <a:ext uri="{FF2B5EF4-FFF2-40B4-BE49-F238E27FC236}">
-                <a16:creationId xmlns:a16="http://schemas.microsoft.com/office/drawing/2014/main" id="{D4AB7DB9-EE03-AE7A-16E3-CEA6BBC45A8E}"/>
+                <a16:creationId xmlns:a16="http://schemas.microsoft.com/office/drawing/2014/main" id="{1EEC57EC-A2F9-A04B-7704-659E5589F4D8}"/>
               </a:ext>
             </a:extLst>
           </p:cNvPr>
@@ -2003,7 +2003,7 @@
           <a:bodyPr/>
           <a:lstStyle/>
           <a:p>
-            <a:fld id="{AC308A1B-44EF-40B4-AA03-97CCD06CD9E4}" type="slidenum">
+            <a:fld id="{62DD4E66-4AEE-478D-B4B1-7C8173386F92}" type="slidenum">
               <a:rPr lang="zh-CN" altLang="en-US" smtClean="0"/>
               <a:t>‹#›</a:t>
             </a:fld>
@@ -2014,7 +2014,7 @@
     </p:spTree>
     <p:extLst>
       <p:ext uri="{BB962C8B-B14F-4D97-AF65-F5344CB8AC3E}">
-        <p14:creationId xmlns:p14="http://schemas.microsoft.com/office/powerpoint/2010/main" val="1239577752"/>
+        <p14:creationId xmlns:p14="http://schemas.microsoft.com/office/powerpoint/2010/main" val="3351558081"/>
       </p:ext>
     </p:extLst>
   </p:cSld>
@@ -2046,7 +2046,7 @@
           <p:cNvPr id="2" name="日期占位符 1">
             <a:extLst>
               <a:ext uri="{FF2B5EF4-FFF2-40B4-BE49-F238E27FC236}">
-                <a16:creationId xmlns:a16="http://schemas.microsoft.com/office/drawing/2014/main" id="{CF285647-7749-8795-4BC5-F89A0A48BF80}"/>
+                <a16:creationId xmlns:a16="http://schemas.microsoft.com/office/drawing/2014/main" id="{DFAED99A-4904-5A4E-5310-EFAB60231F21}"/>
               </a:ext>
             </a:extLst>
           </p:cNvPr>
@@ -2062,7 +2062,7 @@
           <a:bodyPr/>
           <a:lstStyle/>
           <a:p>
-            <a:fld id="{995E18A1-79E8-40BE-B1EC-CF821A44AEF7}" type="datetimeFigureOut">
+            <a:fld id="{61F6E156-5210-4F69-A710-E7AA441665B4}" type="datetimeFigureOut">
               <a:rPr lang="zh-CN" altLang="en-US" smtClean="0"/>
               <a:t>2024/3/10</a:t>
             </a:fld>
@@ -2075,7 +2075,7 @@
           <p:cNvPr id="3" name="页脚占位符 2">
             <a:extLst>
               <a:ext uri="{FF2B5EF4-FFF2-40B4-BE49-F238E27FC236}">
-                <a16:creationId xmlns:a16="http://schemas.microsoft.com/office/drawing/2014/main" id="{A23699C9-E610-8778-8CF8-397D6E343677}"/>
+                <a16:creationId xmlns:a16="http://schemas.microsoft.com/office/drawing/2014/main" id="{DA769B28-0476-799B-806C-01764F4EDE28}"/>
               </a:ext>
             </a:extLst>
           </p:cNvPr>
@@ -2100,7 +2100,7 @@
           <p:cNvPr id="4" name="灯片编号占位符 3">
             <a:extLst>
               <a:ext uri="{FF2B5EF4-FFF2-40B4-BE49-F238E27FC236}">
-                <a16:creationId xmlns:a16="http://schemas.microsoft.com/office/drawing/2014/main" id="{F3F6A9A2-9FC2-114D-505E-3C341ABB8E30}"/>
+                <a16:creationId xmlns:a16="http://schemas.microsoft.com/office/drawing/2014/main" id="{D760E4D2-9090-173A-2967-EC775A07B524}"/>
               </a:ext>
             </a:extLst>
           </p:cNvPr>
@@ -2116,7 +2116,7 @@
           <a:bodyPr/>
           <a:lstStyle/>
           <a:p>
-            <a:fld id="{AC308A1B-44EF-40B4-AA03-97CCD06CD9E4}" type="slidenum">
+            <a:fld id="{62DD4E66-4AEE-478D-B4B1-7C8173386F92}" type="slidenum">
               <a:rPr lang="zh-CN" altLang="en-US" smtClean="0"/>
               <a:t>‹#›</a:t>
             </a:fld>
@@ -2127,7 +2127,7 @@
     </p:spTree>
     <p:extLst>
       <p:ext uri="{BB962C8B-B14F-4D97-AF65-F5344CB8AC3E}">
-        <p14:creationId xmlns:p14="http://schemas.microsoft.com/office/powerpoint/2010/main" val="2762949753"/>
+        <p14:creationId xmlns:p14="http://schemas.microsoft.com/office/powerpoint/2010/main" val="3182921293"/>
       </p:ext>
     </p:extLst>
   </p:cSld>
@@ -2159,7 +2159,7 @@
           <p:cNvPr id="2" name="标题 1">
             <a:extLst>
               <a:ext uri="{FF2B5EF4-FFF2-40B4-BE49-F238E27FC236}">
-                <a16:creationId xmlns:a16="http://schemas.microsoft.com/office/drawing/2014/main" id="{D47072AF-850F-D491-AA3A-1865E2C958BE}"/>
+                <a16:creationId xmlns:a16="http://schemas.microsoft.com/office/drawing/2014/main" id="{AB3340C5-C32E-8732-9B65-C5442139724C}"/>
               </a:ext>
             </a:extLst>
           </p:cNvPr>
@@ -2196,7 +2196,7 @@
           <p:cNvPr id="3" name="内容占位符 2">
             <a:extLst>
               <a:ext uri="{FF2B5EF4-FFF2-40B4-BE49-F238E27FC236}">
-                <a16:creationId xmlns:a16="http://schemas.microsoft.com/office/drawing/2014/main" id="{7A7229CD-FAB2-0AF3-B7D5-0E20D9B33C66}"/>
+                <a16:creationId xmlns:a16="http://schemas.microsoft.com/office/drawing/2014/main" id="{1991D5AD-9A65-9C6D-0AFE-1E70D0DEC200}"/>
               </a:ext>
             </a:extLst>
           </p:cNvPr>
@@ -2286,7 +2286,7 @@
           <p:cNvPr id="4" name="文本占位符 3">
             <a:extLst>
               <a:ext uri="{FF2B5EF4-FFF2-40B4-BE49-F238E27FC236}">
-                <a16:creationId xmlns:a16="http://schemas.microsoft.com/office/drawing/2014/main" id="{9692845C-0448-9F15-5C45-0A16277099F7}"/>
+                <a16:creationId xmlns:a16="http://schemas.microsoft.com/office/drawing/2014/main" id="{F5F76939-F49E-F226-D675-646A8221A282}"/>
               </a:ext>
             </a:extLst>
           </p:cNvPr>
@@ -2357,7 +2357,7 @@
           <p:cNvPr id="5" name="日期占位符 4">
             <a:extLst>
               <a:ext uri="{FF2B5EF4-FFF2-40B4-BE49-F238E27FC236}">
-                <a16:creationId xmlns:a16="http://schemas.microsoft.com/office/drawing/2014/main" id="{F54E4BA9-E961-3A9D-B095-F3AB8275DD24}"/>
+                <a16:creationId xmlns:a16="http://schemas.microsoft.com/office/drawing/2014/main" id="{64B2ED9F-4D53-A2E0-2F6D-EC0432F1E7ED}"/>
               </a:ext>
             </a:extLst>
           </p:cNvPr>
@@ -2373,7 +2373,7 @@
           <a:bodyPr/>
           <a:lstStyle/>
           <a:p>
-            <a:fld id="{995E18A1-79E8-40BE-B1EC-CF821A44AEF7}" type="datetimeFigureOut">
+            <a:fld id="{61F6E156-5210-4F69-A710-E7AA441665B4}" type="datetimeFigureOut">
               <a:rPr lang="zh-CN" altLang="en-US" smtClean="0"/>
               <a:t>2024/3/10</a:t>
             </a:fld>
@@ -2386,7 +2386,7 @@
           <p:cNvPr id="6" name="页脚占位符 5">
             <a:extLst>
               <a:ext uri="{FF2B5EF4-FFF2-40B4-BE49-F238E27FC236}">
-                <a16:creationId xmlns:a16="http://schemas.microsoft.com/office/drawing/2014/main" id="{D42B431A-E47C-8D5F-87D1-388901681F31}"/>
+                <a16:creationId xmlns:a16="http://schemas.microsoft.com/office/drawing/2014/main" id="{BE1955B1-EB6A-980C-294E-47F0C93839A8}"/>
               </a:ext>
             </a:extLst>
           </p:cNvPr>
@@ -2411,7 +2411,7 @@
           <p:cNvPr id="7" name="灯片编号占位符 6">
             <a:extLst>
               <a:ext uri="{FF2B5EF4-FFF2-40B4-BE49-F238E27FC236}">
-                <a16:creationId xmlns:a16="http://schemas.microsoft.com/office/drawing/2014/main" id="{32608209-9F06-888C-1D5B-156ABDEEF60E}"/>
+                <a16:creationId xmlns:a16="http://schemas.microsoft.com/office/drawing/2014/main" id="{83451B41-6DFF-714D-D66E-33C65B9ED6F7}"/>
               </a:ext>
             </a:extLst>
           </p:cNvPr>
@@ -2427,7 +2427,7 @@
           <a:bodyPr/>
           <a:lstStyle/>
           <a:p>
-            <a:fld id="{AC308A1B-44EF-40B4-AA03-97CCD06CD9E4}" type="slidenum">
+            <a:fld id="{62DD4E66-4AEE-478D-B4B1-7C8173386F92}" type="slidenum">
               <a:rPr lang="zh-CN" altLang="en-US" smtClean="0"/>
               <a:t>‹#›</a:t>
             </a:fld>
@@ -2438,7 +2438,7 @@
     </p:spTree>
     <p:extLst>
       <p:ext uri="{BB962C8B-B14F-4D97-AF65-F5344CB8AC3E}">
-        <p14:creationId xmlns:p14="http://schemas.microsoft.com/office/powerpoint/2010/main" val="1190656883"/>
+        <p14:creationId xmlns:p14="http://schemas.microsoft.com/office/powerpoint/2010/main" val="4213572341"/>
       </p:ext>
     </p:extLst>
   </p:cSld>
@@ -2470,7 +2470,7 @@
           <p:cNvPr id="2" name="标题 1">
             <a:extLst>
               <a:ext uri="{FF2B5EF4-FFF2-40B4-BE49-F238E27FC236}">
-                <a16:creationId xmlns:a16="http://schemas.microsoft.com/office/drawing/2014/main" id="{25A67E7B-0416-A6E8-8019-4896019AB729}"/>
+                <a16:creationId xmlns:a16="http://schemas.microsoft.com/office/drawing/2014/main" id="{8B0DE472-AFBF-24EF-E535-0CED26C3BCCF}"/>
               </a:ext>
             </a:extLst>
           </p:cNvPr>
@@ -2507,7 +2507,7 @@
           <p:cNvPr id="3" name="图片占位符 2">
             <a:extLst>
               <a:ext uri="{FF2B5EF4-FFF2-40B4-BE49-F238E27FC236}">
-                <a16:creationId xmlns:a16="http://schemas.microsoft.com/office/drawing/2014/main" id="{5D7C1B37-4144-DF4E-00EA-9054C967F947}"/>
+                <a16:creationId xmlns:a16="http://schemas.microsoft.com/office/drawing/2014/main" id="{E3BB1478-25F3-FBEB-73BC-4EDD242EB488}"/>
               </a:ext>
             </a:extLst>
           </p:cNvPr>
@@ -2574,7 +2574,7 @@
           <p:cNvPr id="4" name="文本占位符 3">
             <a:extLst>
               <a:ext uri="{FF2B5EF4-FFF2-40B4-BE49-F238E27FC236}">
-                <a16:creationId xmlns:a16="http://schemas.microsoft.com/office/drawing/2014/main" id="{831FEC64-6DEB-7DC5-CBC6-40FCBFEE506A}"/>
+                <a16:creationId xmlns:a16="http://schemas.microsoft.com/office/drawing/2014/main" id="{E6F67FBA-115D-0A7A-B77D-A7E200FEFB90}"/>
               </a:ext>
             </a:extLst>
           </p:cNvPr>
@@ -2645,7 +2645,7 @@
           <p:cNvPr id="5" name="日期占位符 4">
             <a:extLst>
               <a:ext uri="{FF2B5EF4-FFF2-40B4-BE49-F238E27FC236}">
-                <a16:creationId xmlns:a16="http://schemas.microsoft.com/office/drawing/2014/main" id="{237EE38A-7383-6505-35CD-89086ADEF2E5}"/>
+                <a16:creationId xmlns:a16="http://schemas.microsoft.com/office/drawing/2014/main" id="{9FB6F237-03DB-62F9-F991-0792404824A1}"/>
               </a:ext>
             </a:extLst>
           </p:cNvPr>
@@ -2661,7 +2661,7 @@
           <a:bodyPr/>
           <a:lstStyle/>
           <a:p>
-            <a:fld id="{995E18A1-79E8-40BE-B1EC-CF821A44AEF7}" type="datetimeFigureOut">
+            <a:fld id="{61F6E156-5210-4F69-A710-E7AA441665B4}" type="datetimeFigureOut">
               <a:rPr lang="zh-CN" altLang="en-US" smtClean="0"/>
               <a:t>2024/3/10</a:t>
             </a:fld>
@@ -2674,7 +2674,7 @@
           <p:cNvPr id="6" name="页脚占位符 5">
             <a:extLst>
               <a:ext uri="{FF2B5EF4-FFF2-40B4-BE49-F238E27FC236}">
-                <a16:creationId xmlns:a16="http://schemas.microsoft.com/office/drawing/2014/main" id="{684DFF4C-6A1A-C8E4-92A0-F58A5A84881C}"/>
+                <a16:creationId xmlns:a16="http://schemas.microsoft.com/office/drawing/2014/main" id="{3BB45744-FE50-07EE-53E2-6BACF8DBB99A}"/>
               </a:ext>
             </a:extLst>
           </p:cNvPr>
@@ -2699,7 +2699,7 @@
           <p:cNvPr id="7" name="灯片编号占位符 6">
             <a:extLst>
               <a:ext uri="{FF2B5EF4-FFF2-40B4-BE49-F238E27FC236}">
-                <a16:creationId xmlns:a16="http://schemas.microsoft.com/office/drawing/2014/main" id="{9922F45C-5BAC-2C7F-1980-26AE0D273011}"/>
+                <a16:creationId xmlns:a16="http://schemas.microsoft.com/office/drawing/2014/main" id="{988DAE8B-AE2F-86A5-0E8B-37F8709D7E13}"/>
               </a:ext>
             </a:extLst>
           </p:cNvPr>
@@ -2715,7 +2715,7 @@
           <a:bodyPr/>
           <a:lstStyle/>
           <a:p>
-            <a:fld id="{AC308A1B-44EF-40B4-AA03-97CCD06CD9E4}" type="slidenum">
+            <a:fld id="{62DD4E66-4AEE-478D-B4B1-7C8173386F92}" type="slidenum">
               <a:rPr lang="zh-CN" altLang="en-US" smtClean="0"/>
               <a:t>‹#›</a:t>
             </a:fld>
@@ -2726,7 +2726,7 @@
     </p:spTree>
     <p:extLst>
       <p:ext uri="{BB962C8B-B14F-4D97-AF65-F5344CB8AC3E}">
-        <p14:creationId xmlns:p14="http://schemas.microsoft.com/office/powerpoint/2010/main" val="3160758194"/>
+        <p14:creationId xmlns:p14="http://schemas.microsoft.com/office/powerpoint/2010/main" val="445300997"/>
       </p:ext>
     </p:extLst>
   </p:cSld>
@@ -2763,7 +2763,7 @@
           <p:cNvPr id="2" name="标题占位符 1">
             <a:extLst>
               <a:ext uri="{FF2B5EF4-FFF2-40B4-BE49-F238E27FC236}">
-                <a16:creationId xmlns:a16="http://schemas.microsoft.com/office/drawing/2014/main" id="{B31FED61-3A4D-D8CA-238B-FDCF26677B60}"/>
+                <a16:creationId xmlns:a16="http://schemas.microsoft.com/office/drawing/2014/main" id="{7F559C37-1827-AEBF-5E0B-88140E9D3CB9}"/>
               </a:ext>
             </a:extLst>
           </p:cNvPr>
@@ -2801,7 +2801,7 @@
           <p:cNvPr id="3" name="文本占位符 2">
             <a:extLst>
               <a:ext uri="{FF2B5EF4-FFF2-40B4-BE49-F238E27FC236}">
-                <a16:creationId xmlns:a16="http://schemas.microsoft.com/office/drawing/2014/main" id="{9778E140-17E7-21DD-C6E6-1527337E87F8}"/>
+                <a16:creationId xmlns:a16="http://schemas.microsoft.com/office/drawing/2014/main" id="{4415348E-9E11-B7E6-516F-9818117EAA80}"/>
               </a:ext>
             </a:extLst>
           </p:cNvPr>
@@ -2868,7 +2868,7 @@
           <p:cNvPr id="4" name="日期占位符 3">
             <a:extLst>
               <a:ext uri="{FF2B5EF4-FFF2-40B4-BE49-F238E27FC236}">
-                <a16:creationId xmlns:a16="http://schemas.microsoft.com/office/drawing/2014/main" id="{92D89053-9CDC-E893-0D7E-48A242C36B95}"/>
+                <a16:creationId xmlns:a16="http://schemas.microsoft.com/office/drawing/2014/main" id="{64862410-52A8-112D-383B-12C756C54472}"/>
               </a:ext>
             </a:extLst>
           </p:cNvPr>
@@ -2902,7 +2902,7 @@
             </a:lvl1pPr>
           </a:lstStyle>
           <a:p>
-            <a:fld id="{995E18A1-79E8-40BE-B1EC-CF821A44AEF7}" type="datetimeFigureOut">
+            <a:fld id="{61F6E156-5210-4F69-A710-E7AA441665B4}" type="datetimeFigureOut">
               <a:rPr lang="zh-CN" altLang="en-US" smtClean="0"/>
               <a:t>2024/3/10</a:t>
             </a:fld>
@@ -2915,7 +2915,7 @@
           <p:cNvPr id="5" name="页脚占位符 4">
             <a:extLst>
               <a:ext uri="{FF2B5EF4-FFF2-40B4-BE49-F238E27FC236}">
-                <a16:creationId xmlns:a16="http://schemas.microsoft.com/office/drawing/2014/main" id="{8232C040-878F-F126-3790-9FE3D2B35456}"/>
+                <a16:creationId xmlns:a16="http://schemas.microsoft.com/office/drawing/2014/main" id="{3362A42C-278E-0119-54F2-BA537510EF88}"/>
               </a:ext>
             </a:extLst>
           </p:cNvPr>
@@ -2958,7 +2958,7 @@
           <p:cNvPr id="6" name="灯片编号占位符 5">
             <a:extLst>
               <a:ext uri="{FF2B5EF4-FFF2-40B4-BE49-F238E27FC236}">
-                <a16:creationId xmlns:a16="http://schemas.microsoft.com/office/drawing/2014/main" id="{66CC4DCA-5F5F-5C80-B469-B36EF395227B}"/>
+                <a16:creationId xmlns:a16="http://schemas.microsoft.com/office/drawing/2014/main" id="{32FCCF2D-A23B-5017-EF2A-375C2D738D78}"/>
               </a:ext>
             </a:extLst>
           </p:cNvPr>
@@ -2992,7 +2992,7 @@
             </a:lvl1pPr>
           </a:lstStyle>
           <a:p>
-            <a:fld id="{AC308A1B-44EF-40B4-AA03-97CCD06CD9E4}" type="slidenum">
+            <a:fld id="{62DD4E66-4AEE-478D-B4B1-7C8173386F92}" type="slidenum">
               <a:rPr lang="zh-CN" altLang="en-US" smtClean="0"/>
               <a:t>‹#›</a:t>
             </a:fld>
@@ -3003,7 +3003,7 @@
     </p:spTree>
     <p:extLst>
       <p:ext uri="{BB962C8B-B14F-4D97-AF65-F5344CB8AC3E}">
-        <p14:creationId xmlns:p14="http://schemas.microsoft.com/office/powerpoint/2010/main" val="1278646069"/>
+        <p14:creationId xmlns:p14="http://schemas.microsoft.com/office/powerpoint/2010/main" val="747084547"/>
       </p:ext>
     </p:extLst>
   </p:cSld>
